--- a/GestionDeProjet/Reunions/Reunion_27_07_2022/Reunion_avancement_27_07_22.pptx
+++ b/GestionDeProjet/Reunions/Reunion_27_07_2022/Reunion_avancement_27_07_22.pptx
@@ -8,14 +8,15 @@
     <p:sldId id="256" r:id="rId2"/>
     <p:sldId id="279" r:id="rId3"/>
     <p:sldId id="282" r:id="rId4"/>
-    <p:sldId id="283" r:id="rId5"/>
-    <p:sldId id="284" r:id="rId6"/>
-    <p:sldId id="285" r:id="rId7"/>
-    <p:sldId id="286" r:id="rId8"/>
-    <p:sldId id="287" r:id="rId9"/>
-    <p:sldId id="288" r:id="rId10"/>
-    <p:sldId id="289" r:id="rId11"/>
-    <p:sldId id="290" r:id="rId12"/>
+    <p:sldId id="291" r:id="rId5"/>
+    <p:sldId id="283" r:id="rId6"/>
+    <p:sldId id="284" r:id="rId7"/>
+    <p:sldId id="285" r:id="rId8"/>
+    <p:sldId id="286" r:id="rId9"/>
+    <p:sldId id="287" r:id="rId10"/>
+    <p:sldId id="288" r:id="rId11"/>
+    <p:sldId id="289" r:id="rId12"/>
+    <p:sldId id="290" r:id="rId13"/>
   </p:sldIdLst>
   <p:sldSz cx="12192000" cy="6858000"/>
   <p:notesSz cx="6858000" cy="9144000"/>
@@ -250,7 +251,7 @@
   </p:defaultTextStyle>
   <p:extLst>
     <p:ext uri="{EFAFB233-063F-42B5-8137-9DF3F51BA10A}">
-      <p15:sldGuideLst xmlns:p15="http://schemas.microsoft.com/office/powerpoint/2012/main">
+      <p15:sldGuideLst xmlns:p15="http://schemas.microsoft.com/office/powerpoint/2012/main" xmlns="">
         <p15:guide id="1" orient="horz" pos="2160">
           <p15:clr>
             <a:srgbClr val="A4A3A4"/>
@@ -1007,7 +1008,7 @@
     </p:spTree>
     <p:extLst>
       <p:ext uri="{BB962C8B-B14F-4D97-AF65-F5344CB8AC3E}">
-        <p14:creationId xmlns:p14="http://schemas.microsoft.com/office/powerpoint/2010/main" val="1683196634"/>
+        <p14:creationId xmlns:p14="http://schemas.microsoft.com/office/powerpoint/2010/main" xmlns="" val="1683196634"/>
       </p:ext>
     </p:extLst>
   </p:cSld>
@@ -1756,7 +1757,7 @@
     </p:spTree>
     <p:extLst>
       <p:ext uri="{BB962C8B-B14F-4D97-AF65-F5344CB8AC3E}">
-        <p14:creationId xmlns:p14="http://schemas.microsoft.com/office/powerpoint/2010/main" val="3557230879"/>
+        <p14:creationId xmlns:p14="http://schemas.microsoft.com/office/powerpoint/2010/main" xmlns="" val="3557230879"/>
       </p:ext>
     </p:extLst>
   </p:cSld>
@@ -2514,7 +2515,7 @@
     </p:spTree>
     <p:extLst>
       <p:ext uri="{BB962C8B-B14F-4D97-AF65-F5344CB8AC3E}">
-        <p14:creationId xmlns:p14="http://schemas.microsoft.com/office/powerpoint/2010/main" val="1370354911"/>
+        <p14:creationId xmlns:p14="http://schemas.microsoft.com/office/powerpoint/2010/main" xmlns="" val="1370354911"/>
       </p:ext>
     </p:extLst>
   </p:cSld>
@@ -3266,7 +3267,7 @@
     </p:spTree>
     <p:extLst>
       <p:ext uri="{BB962C8B-B14F-4D97-AF65-F5344CB8AC3E}">
-        <p14:creationId xmlns:p14="http://schemas.microsoft.com/office/powerpoint/2010/main" val="1488441881"/>
+        <p14:creationId xmlns:p14="http://schemas.microsoft.com/office/powerpoint/2010/main" xmlns="" val="1488441881"/>
       </p:ext>
     </p:extLst>
   </p:cSld>
@@ -4015,7 +4016,7 @@
     </p:spTree>
     <p:extLst>
       <p:ext uri="{BB962C8B-B14F-4D97-AF65-F5344CB8AC3E}">
-        <p14:creationId xmlns:p14="http://schemas.microsoft.com/office/powerpoint/2010/main" val="4145855993"/>
+        <p14:creationId xmlns:p14="http://schemas.microsoft.com/office/powerpoint/2010/main" xmlns="" val="4145855993"/>
       </p:ext>
     </p:extLst>
   </p:cSld>
@@ -4796,7 +4797,7 @@
     </p:spTree>
     <p:extLst>
       <p:ext uri="{BB962C8B-B14F-4D97-AF65-F5344CB8AC3E}">
-        <p14:creationId xmlns:p14="http://schemas.microsoft.com/office/powerpoint/2010/main" val="3023544346"/>
+        <p14:creationId xmlns:p14="http://schemas.microsoft.com/office/powerpoint/2010/main" xmlns="" val="3023544346"/>
       </p:ext>
     </p:extLst>
   </p:cSld>
@@ -5518,7 +5519,7 @@
     </p:spTree>
     <p:extLst>
       <p:ext uri="{BB962C8B-B14F-4D97-AF65-F5344CB8AC3E}">
-        <p14:creationId xmlns:p14="http://schemas.microsoft.com/office/powerpoint/2010/main" val="2230660444"/>
+        <p14:creationId xmlns:p14="http://schemas.microsoft.com/office/powerpoint/2010/main" xmlns="" val="2230660444"/>
       </p:ext>
     </p:extLst>
   </p:cSld>
@@ -5885,7 +5886,7 @@
     </p:spTree>
     <p:extLst>
       <p:ext uri="{BB962C8B-B14F-4D97-AF65-F5344CB8AC3E}">
-        <p14:creationId xmlns:p14="http://schemas.microsoft.com/office/powerpoint/2010/main" val="2065464872"/>
+        <p14:creationId xmlns:p14="http://schemas.microsoft.com/office/powerpoint/2010/main" xmlns="" val="2065464872"/>
       </p:ext>
     </p:extLst>
   </p:cSld>
@@ -6982,7 +6983,7 @@
     </p:spTree>
     <p:extLst>
       <p:ext uri="{BB962C8B-B14F-4D97-AF65-F5344CB8AC3E}">
-        <p14:creationId xmlns:p14="http://schemas.microsoft.com/office/powerpoint/2010/main" val="2551948298"/>
+        <p14:creationId xmlns:p14="http://schemas.microsoft.com/office/powerpoint/2010/main" xmlns="" val="2551948298"/>
       </p:ext>
     </p:extLst>
   </p:cSld>
@@ -7711,7 +7712,7 @@
           <p:cNvPr id="2" name="Titre 1">
             <a:extLst>
               <a:ext uri="{FF2B5EF4-FFF2-40B4-BE49-F238E27FC236}">
-                <a16:creationId xmlns:a16="http://schemas.microsoft.com/office/drawing/2014/main" id="{AB203E22-A68F-43B4-8A2A-8135BAB9C7D4}"/>
+                <a16:creationId xmlns:a16="http://schemas.microsoft.com/office/drawing/2014/main" xmlns="" id="{AB203E22-A68F-43B4-8A2A-8135BAB9C7D4}"/>
               </a:ext>
             </a:extLst>
           </p:cNvPr>
@@ -7741,7 +7742,7 @@
           <p:cNvPr id="3" name="Sous-titre 2">
             <a:extLst>
               <a:ext uri="{FF2B5EF4-FFF2-40B4-BE49-F238E27FC236}">
-                <a16:creationId xmlns:a16="http://schemas.microsoft.com/office/drawing/2014/main" id="{E4DA1A89-6A6D-438F-AD0A-7258D468F648}"/>
+                <a16:creationId xmlns:a16="http://schemas.microsoft.com/office/drawing/2014/main" xmlns="" id="{E4DA1A89-6A6D-438F-AD0A-7258D468F648}"/>
               </a:ext>
             </a:extLst>
           </p:cNvPr>
@@ -7784,7 +7785,7 @@
     </p:spTree>
     <p:extLst>
       <p:ext uri="{BB962C8B-B14F-4D97-AF65-F5344CB8AC3E}">
-        <p14:creationId xmlns:p14="http://schemas.microsoft.com/office/powerpoint/2010/main" val="3615421672"/>
+        <p14:creationId xmlns:p14="http://schemas.microsoft.com/office/powerpoint/2010/main" xmlns="" val="3615421672"/>
       </p:ext>
     </p:extLst>
   </p:cSld>
@@ -7819,7 +7820,138 @@
           <p:cNvPr id="2" name="Titre 1">
             <a:extLst>
               <a:ext uri="{FF2B5EF4-FFF2-40B4-BE49-F238E27FC236}">
-                <a16:creationId xmlns:a16="http://schemas.microsoft.com/office/drawing/2014/main" id="{BDEF606E-A611-403F-B367-E6244B4A4623}"/>
+                <a16:creationId xmlns:a16="http://schemas.microsoft.com/office/drawing/2014/main" xmlns="" id="{BDEF606E-A611-403F-B367-E6244B4A4623}"/>
+              </a:ext>
+            </a:extLst>
+          </p:cNvPr>
+          <p:cNvSpPr>
+            <a:spLocks noGrp="1"/>
+          </p:cNvSpPr>
+          <p:nvPr>
+            <p:ph type="title"/>
+          </p:nvPr>
+        </p:nvSpPr>
+        <p:spPr/>
+        <p:txBody>
+          <a:bodyPr/>
+          <a:lstStyle/>
+          <a:p>
+            <a:r>
+              <a:rPr lang="fr-FR" dirty="0"/>
+              <a:t>Soft – </a:t>
+            </a:r>
+            <a:r>
+              <a:rPr lang="fr-FR" dirty="0" err="1"/>
+              <a:t>Debug</a:t>
+            </a:r>
+            <a:r>
+              <a:rPr lang="fr-FR" dirty="0"/>
+              <a:t> de la base roulante 3/4</a:t>
+            </a:r>
+          </a:p>
+        </p:txBody>
+      </p:sp>
+      <p:sp>
+        <p:nvSpPr>
+          <p:cNvPr id="6" name="ZoneTexte 5">
+            <a:extLst>
+              <a:ext uri="{FF2B5EF4-FFF2-40B4-BE49-F238E27FC236}">
+                <a16:creationId xmlns:a16="http://schemas.microsoft.com/office/drawing/2014/main" xmlns="" id="{A0418EA7-A969-2067-BECA-63B052D557B1}"/>
+              </a:ext>
+            </a:extLst>
+          </p:cNvPr>
+          <p:cNvSpPr txBox="1"/>
+          <p:nvPr/>
+        </p:nvSpPr>
+        <p:spPr>
+          <a:xfrm>
+            <a:off x="3799513" y="2149398"/>
+            <a:ext cx="4527201" cy="338554"/>
+          </a:xfrm>
+          <a:prstGeom prst="rect">
+            <a:avLst/>
+          </a:prstGeom>
+          <a:noFill/>
+        </p:spPr>
+        <p:txBody>
+          <a:bodyPr wrap="none" rtlCol="0">
+            <a:spAutoFit/>
+          </a:bodyPr>
+          <a:lstStyle/>
+          <a:p>
+            <a:r>
+              <a:rPr lang="fr-FR" sz="1600" dirty="0"/>
+              <a:t>ST-Link Branché uniquement à la base roulante</a:t>
+            </a:r>
+          </a:p>
+        </p:txBody>
+      </p:sp>
+      <p:pic>
+        <p:nvPicPr>
+          <p:cNvPr id="8" name="Image 7">
+            <a:extLst>
+              <a:ext uri="{FF2B5EF4-FFF2-40B4-BE49-F238E27FC236}">
+                <a16:creationId xmlns:a16="http://schemas.microsoft.com/office/drawing/2014/main" xmlns="" id="{24E1AAD1-4B54-3C8F-B369-B84D37F62D44}"/>
+              </a:ext>
+            </a:extLst>
+          </p:cNvPr>
+          <p:cNvPicPr>
+            <a:picLocks noChangeAspect="1"/>
+          </p:cNvPicPr>
+          <p:nvPr/>
+        </p:nvPicPr>
+        <p:blipFill>
+          <a:blip r:embed="rId2" cstate="print"/>
+          <a:stretch>
+            <a:fillRect/>
+          </a:stretch>
+        </p:blipFill>
+        <p:spPr>
+          <a:xfrm>
+            <a:off x="922789" y="2768568"/>
+            <a:ext cx="9479559" cy="3490414"/>
+          </a:xfrm>
+          <a:prstGeom prst="rect">
+            <a:avLst/>
+          </a:prstGeom>
+        </p:spPr>
+      </p:pic>
+    </p:spTree>
+    <p:extLst>
+      <p:ext uri="{BB962C8B-B14F-4D97-AF65-F5344CB8AC3E}">
+        <p14:creationId xmlns:p14="http://schemas.microsoft.com/office/powerpoint/2010/main" xmlns="" val="3964770694"/>
+      </p:ext>
+    </p:extLst>
+  </p:cSld>
+  <p:clrMapOvr>
+    <a:masterClrMapping/>
+  </p:clrMapOvr>
+</p:sld>
+</file>
+
+<file path=ppt/slides/slide11.xml><?xml version="1.0" encoding="utf-8"?>
+<p:sld xmlns:a="http://schemas.openxmlformats.org/drawingml/2006/main" xmlns:r="http://schemas.openxmlformats.org/officeDocument/2006/relationships" xmlns:p="http://schemas.openxmlformats.org/presentationml/2006/main">
+  <p:cSld>
+    <p:spTree>
+      <p:nvGrpSpPr>
+        <p:cNvPr id="1" name=""/>
+        <p:cNvGrpSpPr/>
+        <p:nvPr/>
+      </p:nvGrpSpPr>
+      <p:grpSpPr>
+        <a:xfrm>
+          <a:off x="0" y="0"/>
+          <a:ext cx="0" cy="0"/>
+          <a:chOff x="0" y="0"/>
+          <a:chExt cx="0" cy="0"/>
+        </a:xfrm>
+      </p:grpSpPr>
+      <p:sp>
+        <p:nvSpPr>
+          <p:cNvPr id="2" name="Titre 1">
+            <a:extLst>
+              <a:ext uri="{FF2B5EF4-FFF2-40B4-BE49-F238E27FC236}">
+                <a16:creationId xmlns:a16="http://schemas.microsoft.com/office/drawing/2014/main" xmlns="" id="{BDEF606E-A611-403F-B367-E6244B4A4623}"/>
               </a:ext>
             </a:extLst>
           </p:cNvPr>
@@ -7855,7 +7987,7 @@
           <p:cNvPr id="6" name="ZoneTexte 5">
             <a:extLst>
               <a:ext uri="{FF2B5EF4-FFF2-40B4-BE49-F238E27FC236}">
-                <a16:creationId xmlns:a16="http://schemas.microsoft.com/office/drawing/2014/main" id="{A0418EA7-A969-2067-BECA-63B052D557B1}"/>
+                <a16:creationId xmlns:a16="http://schemas.microsoft.com/office/drawing/2014/main" xmlns="" id="{A0418EA7-A969-2067-BECA-63B052D557B1}"/>
               </a:ext>
             </a:extLst>
           </p:cNvPr>
@@ -7890,7 +8022,7 @@
           <p:cNvPr id="4" name="Image 3">
             <a:extLst>
               <a:ext uri="{FF2B5EF4-FFF2-40B4-BE49-F238E27FC236}">
-                <a16:creationId xmlns:a16="http://schemas.microsoft.com/office/drawing/2014/main" id="{F5F97796-8B38-25CC-83B7-8F6C1BDD0CCA}"/>
+                <a16:creationId xmlns:a16="http://schemas.microsoft.com/office/drawing/2014/main" xmlns="" id="{F5F97796-8B38-25CC-83B7-8F6C1BDD0CCA}"/>
               </a:ext>
             </a:extLst>
           </p:cNvPr>
@@ -7900,7 +8032,7 @@
           <p:nvPr/>
         </p:nvPicPr>
         <p:blipFill>
-          <a:blip r:embed="rId2"/>
+          <a:blip r:embed="rId2" cstate="print"/>
           <a:stretch>
             <a:fillRect/>
           </a:stretch>
@@ -7918,7 +8050,7 @@
     </p:spTree>
     <p:extLst>
       <p:ext uri="{BB962C8B-B14F-4D97-AF65-F5344CB8AC3E}">
-        <p14:creationId xmlns:p14="http://schemas.microsoft.com/office/powerpoint/2010/main" val="205987764"/>
+        <p14:creationId xmlns:p14="http://schemas.microsoft.com/office/powerpoint/2010/main" xmlns="" val="205987764"/>
       </p:ext>
     </p:extLst>
   </p:cSld>
@@ -7928,7 +8060,7 @@
 </p:sld>
 </file>
 
-<file path=ppt/slides/slide11.xml><?xml version="1.0" encoding="utf-8"?>
+<file path=ppt/slides/slide12.xml><?xml version="1.0" encoding="utf-8"?>
 <p:sld xmlns:a="http://schemas.openxmlformats.org/drawingml/2006/main" xmlns:r="http://schemas.openxmlformats.org/officeDocument/2006/relationships" xmlns:p="http://schemas.openxmlformats.org/presentationml/2006/main">
   <p:cSld>
     <p:spTree>
@@ -7950,7 +8082,7 @@
           <p:cNvPr id="2" name="Titre 1">
             <a:extLst>
               <a:ext uri="{FF2B5EF4-FFF2-40B4-BE49-F238E27FC236}">
-                <a16:creationId xmlns:a16="http://schemas.microsoft.com/office/drawing/2014/main" id="{BDEF606E-A611-403F-B367-E6244B4A4623}"/>
+                <a16:creationId xmlns:a16="http://schemas.microsoft.com/office/drawing/2014/main" xmlns="" id="{BDEF606E-A611-403F-B367-E6244B4A4623}"/>
               </a:ext>
             </a:extLst>
           </p:cNvPr>
@@ -7986,7 +8118,7 @@
           <p:cNvPr id="3" name="ZoneTexte 2">
             <a:extLst>
               <a:ext uri="{FF2B5EF4-FFF2-40B4-BE49-F238E27FC236}">
-                <a16:creationId xmlns:a16="http://schemas.microsoft.com/office/drawing/2014/main" id="{F7B4E824-0B65-FB50-AB69-71CF1E7E415A}"/>
+                <a16:creationId xmlns:a16="http://schemas.microsoft.com/office/drawing/2014/main" xmlns="" id="{F7B4E824-0B65-FB50-AB69-71CF1E7E415A}"/>
               </a:ext>
             </a:extLst>
           </p:cNvPr>
@@ -8029,7 +8161,7 @@
           <p:cNvPr id="7" name="ZoneTexte 6">
             <a:extLst>
               <a:ext uri="{FF2B5EF4-FFF2-40B4-BE49-F238E27FC236}">
-                <a16:creationId xmlns:a16="http://schemas.microsoft.com/office/drawing/2014/main" id="{3AA68A3C-1B68-C6C8-9850-10CBFBF1D7C5}"/>
+                <a16:creationId xmlns:a16="http://schemas.microsoft.com/office/drawing/2014/main" xmlns="" id="{3AA68A3C-1B68-C6C8-9850-10CBFBF1D7C5}"/>
               </a:ext>
             </a:extLst>
           </p:cNvPr>
@@ -8064,7 +8196,7 @@
           <p:cNvPr id="8" name="Image 7">
             <a:extLst>
               <a:ext uri="{FF2B5EF4-FFF2-40B4-BE49-F238E27FC236}">
-                <a16:creationId xmlns:a16="http://schemas.microsoft.com/office/drawing/2014/main" id="{E98BD033-4BD5-E058-CB9E-8397F0811A52}"/>
+                <a16:creationId xmlns:a16="http://schemas.microsoft.com/office/drawing/2014/main" xmlns="" id="{E98BD033-4BD5-E058-CB9E-8397F0811A52}"/>
               </a:ext>
             </a:extLst>
           </p:cNvPr>
@@ -8074,7 +8206,7 @@
           <p:nvPr/>
         </p:nvPicPr>
         <p:blipFill>
-          <a:blip r:embed="rId2"/>
+          <a:blip r:embed="rId2" cstate="print"/>
           <a:stretch>
             <a:fillRect/>
           </a:stretch>
@@ -8094,7 +8226,7 @@
           <p:cNvPr id="9" name="ZoneTexte 8">
             <a:extLst>
               <a:ext uri="{FF2B5EF4-FFF2-40B4-BE49-F238E27FC236}">
-                <a16:creationId xmlns:a16="http://schemas.microsoft.com/office/drawing/2014/main" id="{9843F24C-F6BC-36EF-DAF9-1518FFBF2334}"/>
+                <a16:creationId xmlns:a16="http://schemas.microsoft.com/office/drawing/2014/main" xmlns="" id="{9843F24C-F6BC-36EF-DAF9-1518FFBF2334}"/>
               </a:ext>
             </a:extLst>
           </p:cNvPr>
@@ -8129,7 +8261,7 @@
           <p:cNvPr id="11" name="Image 10">
             <a:extLst>
               <a:ext uri="{FF2B5EF4-FFF2-40B4-BE49-F238E27FC236}">
-                <a16:creationId xmlns:a16="http://schemas.microsoft.com/office/drawing/2014/main" id="{9D51AFA8-2538-4E92-5587-CF9FF5FD2008}"/>
+                <a16:creationId xmlns:a16="http://schemas.microsoft.com/office/drawing/2014/main" xmlns="" id="{9D51AFA8-2538-4E92-5587-CF9FF5FD2008}"/>
               </a:ext>
             </a:extLst>
           </p:cNvPr>
@@ -8139,7 +8271,7 @@
           <p:nvPr/>
         </p:nvPicPr>
         <p:blipFill>
-          <a:blip r:embed="rId3"/>
+          <a:blip r:embed="rId3" cstate="print"/>
           <a:stretch>
             <a:fillRect/>
           </a:stretch>
@@ -8159,7 +8291,7 @@
           <p:cNvPr id="12" name="ZoneTexte 11">
             <a:extLst>
               <a:ext uri="{FF2B5EF4-FFF2-40B4-BE49-F238E27FC236}">
-                <a16:creationId xmlns:a16="http://schemas.microsoft.com/office/drawing/2014/main" id="{E1C58B2F-CA28-7CE3-BC1C-9FA1B847D7E7}"/>
+                <a16:creationId xmlns:a16="http://schemas.microsoft.com/office/drawing/2014/main" xmlns="" id="{E1C58B2F-CA28-7CE3-BC1C-9FA1B847D7E7}"/>
               </a:ext>
             </a:extLst>
           </p:cNvPr>
@@ -8194,7 +8326,7 @@
           <p:cNvPr id="14" name="Image 13">
             <a:extLst>
               <a:ext uri="{FF2B5EF4-FFF2-40B4-BE49-F238E27FC236}">
-                <a16:creationId xmlns:a16="http://schemas.microsoft.com/office/drawing/2014/main" id="{97CD3524-7C61-F52C-7D1D-8B0A3E8776A2}"/>
+                <a16:creationId xmlns:a16="http://schemas.microsoft.com/office/drawing/2014/main" xmlns="" id="{97CD3524-7C61-F52C-7D1D-8B0A3E8776A2}"/>
               </a:ext>
             </a:extLst>
           </p:cNvPr>
@@ -8204,7 +8336,7 @@
           <p:nvPr/>
         </p:nvPicPr>
         <p:blipFill>
-          <a:blip r:embed="rId4"/>
+          <a:blip r:embed="rId4" cstate="print"/>
           <a:stretch>
             <a:fillRect/>
           </a:stretch>
@@ -8224,7 +8356,7 @@
           <p:cNvPr id="15" name="ZoneTexte 14">
             <a:extLst>
               <a:ext uri="{FF2B5EF4-FFF2-40B4-BE49-F238E27FC236}">
-                <a16:creationId xmlns:a16="http://schemas.microsoft.com/office/drawing/2014/main" id="{FF88A4B3-6605-2159-978C-458D188D7CF3}"/>
+                <a16:creationId xmlns:a16="http://schemas.microsoft.com/office/drawing/2014/main" xmlns="" id="{FF88A4B3-6605-2159-978C-458D188D7CF3}"/>
               </a:ext>
             </a:extLst>
           </p:cNvPr>
@@ -8259,7 +8391,7 @@
           <p:cNvPr id="17" name="Image 16">
             <a:extLst>
               <a:ext uri="{FF2B5EF4-FFF2-40B4-BE49-F238E27FC236}">
-                <a16:creationId xmlns:a16="http://schemas.microsoft.com/office/drawing/2014/main" id="{B95973A9-249F-593D-2DDA-3582BD4DEF60}"/>
+                <a16:creationId xmlns:a16="http://schemas.microsoft.com/office/drawing/2014/main" xmlns="" id="{B95973A9-249F-593D-2DDA-3582BD4DEF60}"/>
               </a:ext>
             </a:extLst>
           </p:cNvPr>
@@ -8269,7 +8401,7 @@
           <p:nvPr/>
         </p:nvPicPr>
         <p:blipFill>
-          <a:blip r:embed="rId5"/>
+          <a:blip r:embed="rId5" cstate="print"/>
           <a:stretch>
             <a:fillRect/>
           </a:stretch>
@@ -8289,7 +8421,7 @@
           <p:cNvPr id="18" name="ZoneTexte 17">
             <a:extLst>
               <a:ext uri="{FF2B5EF4-FFF2-40B4-BE49-F238E27FC236}">
-                <a16:creationId xmlns:a16="http://schemas.microsoft.com/office/drawing/2014/main" id="{CEE985CF-1310-1717-688D-CC854959C0BC}"/>
+                <a16:creationId xmlns:a16="http://schemas.microsoft.com/office/drawing/2014/main" xmlns="" id="{CEE985CF-1310-1717-688D-CC854959C0BC}"/>
               </a:ext>
             </a:extLst>
           </p:cNvPr>
@@ -8324,7 +8456,7 @@
           <p:cNvPr id="20" name="Image 19">
             <a:extLst>
               <a:ext uri="{FF2B5EF4-FFF2-40B4-BE49-F238E27FC236}">
-                <a16:creationId xmlns:a16="http://schemas.microsoft.com/office/drawing/2014/main" id="{43209904-E47D-C27C-AD8F-678B6010747A}"/>
+                <a16:creationId xmlns:a16="http://schemas.microsoft.com/office/drawing/2014/main" xmlns="" id="{43209904-E47D-C27C-AD8F-678B6010747A}"/>
               </a:ext>
             </a:extLst>
           </p:cNvPr>
@@ -8334,7 +8466,7 @@
           <p:nvPr/>
         </p:nvPicPr>
         <p:blipFill>
-          <a:blip r:embed="rId6"/>
+          <a:blip r:embed="rId6" cstate="print"/>
           <a:stretch>
             <a:fillRect/>
           </a:stretch>
@@ -8354,7 +8486,7 @@
           <p:cNvPr id="21" name="ZoneTexte 20">
             <a:extLst>
               <a:ext uri="{FF2B5EF4-FFF2-40B4-BE49-F238E27FC236}">
-                <a16:creationId xmlns:a16="http://schemas.microsoft.com/office/drawing/2014/main" id="{939E990E-9268-3544-7F55-29C315208319}"/>
+                <a16:creationId xmlns:a16="http://schemas.microsoft.com/office/drawing/2014/main" xmlns="" id="{939E990E-9268-3544-7F55-29C315208319}"/>
               </a:ext>
             </a:extLst>
           </p:cNvPr>
@@ -8389,7 +8521,7 @@
           <p:cNvPr id="23" name="Image 22">
             <a:extLst>
               <a:ext uri="{FF2B5EF4-FFF2-40B4-BE49-F238E27FC236}">
-                <a16:creationId xmlns:a16="http://schemas.microsoft.com/office/drawing/2014/main" id="{724743EE-9B92-E2CD-6C09-6A8C7AE62868}"/>
+                <a16:creationId xmlns:a16="http://schemas.microsoft.com/office/drawing/2014/main" xmlns="" id="{724743EE-9B92-E2CD-6C09-6A8C7AE62868}"/>
               </a:ext>
             </a:extLst>
           </p:cNvPr>
@@ -8399,7 +8531,7 @@
           <p:nvPr/>
         </p:nvPicPr>
         <p:blipFill>
-          <a:blip r:embed="rId7"/>
+          <a:blip r:embed="rId7" cstate="print"/>
           <a:stretch>
             <a:fillRect/>
           </a:stretch>
@@ -8419,7 +8551,7 @@
           <p:cNvPr id="24" name="ZoneTexte 23">
             <a:extLst>
               <a:ext uri="{FF2B5EF4-FFF2-40B4-BE49-F238E27FC236}">
-                <a16:creationId xmlns:a16="http://schemas.microsoft.com/office/drawing/2014/main" id="{C1B880CA-4D14-DE1D-899A-C52746A9EDF2}"/>
+                <a16:creationId xmlns:a16="http://schemas.microsoft.com/office/drawing/2014/main" xmlns="" id="{C1B880CA-4D14-DE1D-899A-C52746A9EDF2}"/>
               </a:ext>
             </a:extLst>
           </p:cNvPr>
@@ -8454,7 +8586,7 @@
           <p:cNvPr id="26" name="Image 25">
             <a:extLst>
               <a:ext uri="{FF2B5EF4-FFF2-40B4-BE49-F238E27FC236}">
-                <a16:creationId xmlns:a16="http://schemas.microsoft.com/office/drawing/2014/main" id="{DD04053B-2D9E-2BAD-E425-79C517ED68A0}"/>
+                <a16:creationId xmlns:a16="http://schemas.microsoft.com/office/drawing/2014/main" xmlns="" id="{DD04053B-2D9E-2BAD-E425-79C517ED68A0}"/>
               </a:ext>
             </a:extLst>
           </p:cNvPr>
@@ -8464,7 +8596,7 @@
           <p:nvPr/>
         </p:nvPicPr>
         <p:blipFill>
-          <a:blip r:embed="rId8"/>
+          <a:blip r:embed="rId8" cstate="print"/>
           <a:stretch>
             <a:fillRect/>
           </a:stretch>
@@ -8484,7 +8616,7 @@
           <p:cNvPr id="27" name="ZoneTexte 26">
             <a:extLst>
               <a:ext uri="{FF2B5EF4-FFF2-40B4-BE49-F238E27FC236}">
-                <a16:creationId xmlns:a16="http://schemas.microsoft.com/office/drawing/2014/main" id="{D1EE7F53-51D4-DFAB-979F-AC389BA7EED8}"/>
+                <a16:creationId xmlns:a16="http://schemas.microsoft.com/office/drawing/2014/main" xmlns="" id="{D1EE7F53-51D4-DFAB-979F-AC389BA7EED8}"/>
               </a:ext>
             </a:extLst>
           </p:cNvPr>
@@ -8517,7 +8649,7 @@
     </p:spTree>
     <p:extLst>
       <p:ext uri="{BB962C8B-B14F-4D97-AF65-F5344CB8AC3E}">
-        <p14:creationId xmlns:p14="http://schemas.microsoft.com/office/powerpoint/2010/main" val="3924651253"/>
+        <p14:creationId xmlns:p14="http://schemas.microsoft.com/office/powerpoint/2010/main" xmlns="" val="3924651253"/>
       </p:ext>
     </p:extLst>
   </p:cSld>
@@ -8549,7 +8681,7 @@
           <p:cNvPr id="2" name="Titre 1">
             <a:extLst>
               <a:ext uri="{FF2B5EF4-FFF2-40B4-BE49-F238E27FC236}">
-                <a16:creationId xmlns:a16="http://schemas.microsoft.com/office/drawing/2014/main" id="{BDEF606E-A611-403F-B367-E6244B4A4623}"/>
+                <a16:creationId xmlns:a16="http://schemas.microsoft.com/office/drawing/2014/main" xmlns="" id="{BDEF606E-A611-403F-B367-E6244B4A4623}"/>
               </a:ext>
             </a:extLst>
           </p:cNvPr>
@@ -8607,7 +8739,7 @@
     </p:spTree>
     <p:extLst>
       <p:ext uri="{BB962C8B-B14F-4D97-AF65-F5344CB8AC3E}">
-        <p14:creationId xmlns:p14="http://schemas.microsoft.com/office/powerpoint/2010/main" val="205039471"/>
+        <p14:creationId xmlns:p14="http://schemas.microsoft.com/office/powerpoint/2010/main" xmlns="" val="205039471"/>
       </p:ext>
     </p:extLst>
   </p:cSld>
@@ -8639,7 +8771,7 @@
           <p:cNvPr id="2" name="Titre 1">
             <a:extLst>
               <a:ext uri="{FF2B5EF4-FFF2-40B4-BE49-F238E27FC236}">
-                <a16:creationId xmlns:a16="http://schemas.microsoft.com/office/drawing/2014/main" id="{BDEF606E-A611-403F-B367-E6244B4A4623}"/>
+                <a16:creationId xmlns:a16="http://schemas.microsoft.com/office/drawing/2014/main" xmlns="" id="{BDEF606E-A611-403F-B367-E6244B4A4623}"/>
               </a:ext>
             </a:extLst>
           </p:cNvPr>
@@ -8729,7 +8861,7 @@
     </p:spTree>
     <p:extLst>
       <p:ext uri="{BB962C8B-B14F-4D97-AF65-F5344CB8AC3E}">
-        <p14:creationId xmlns:p14="http://schemas.microsoft.com/office/powerpoint/2010/main" val="205039471"/>
+        <p14:creationId xmlns:p14="http://schemas.microsoft.com/office/powerpoint/2010/main" xmlns="" val="205039471"/>
       </p:ext>
     </p:extLst>
   </p:cSld>
@@ -8761,7 +8893,97 @@
           <p:cNvPr id="2" name="Titre 1">
             <a:extLst>
               <a:ext uri="{FF2B5EF4-FFF2-40B4-BE49-F238E27FC236}">
-                <a16:creationId xmlns:a16="http://schemas.microsoft.com/office/drawing/2014/main" id="{BDEF606E-A611-403F-B367-E6244B4A4623}"/>
+                <a16:creationId xmlns:a16="http://schemas.microsoft.com/office/drawing/2014/main" xmlns="" id="{BDEF606E-A611-403F-B367-E6244B4A4623}"/>
+              </a:ext>
+            </a:extLst>
+          </p:cNvPr>
+          <p:cNvSpPr>
+            <a:spLocks noGrp="1"/>
+          </p:cNvSpPr>
+          <p:nvPr>
+            <p:ph type="title"/>
+          </p:nvPr>
+        </p:nvSpPr>
+        <p:spPr/>
+        <p:txBody>
+          <a:bodyPr/>
+          <a:lstStyle/>
+          <a:p>
+            <a:r>
+              <a:rPr lang="fr-FR" dirty="0"/>
+              <a:t>Hard: Conception de la station de charge</a:t>
+            </a:r>
+          </a:p>
+        </p:txBody>
+      </p:sp>
+      <p:pic>
+        <p:nvPicPr>
+          <p:cNvPr id="1026" name="Picture 2"/>
+          <p:cNvPicPr>
+            <a:picLocks noChangeAspect="1" noChangeArrowheads="1"/>
+          </p:cNvPicPr>
+          <p:nvPr/>
+        </p:nvPicPr>
+        <p:blipFill>
+          <a:blip r:embed="rId2" cstate="print"/>
+          <a:srcRect/>
+          <a:stretch>
+            <a:fillRect/>
+          </a:stretch>
+        </p:blipFill>
+        <p:spPr bwMode="auto">
+          <a:xfrm>
+            <a:off x="2234386" y="1585531"/>
+            <a:ext cx="7181463" cy="4704829"/>
+          </a:xfrm>
+          <a:prstGeom prst="rect">
+            <a:avLst/>
+          </a:prstGeom>
+          <a:noFill/>
+          <a:ln w="9525">
+            <a:noFill/>
+            <a:miter lim="800000"/>
+            <a:headEnd/>
+            <a:tailEnd/>
+          </a:ln>
+        </p:spPr>
+      </p:pic>
+    </p:spTree>
+    <p:extLst>
+      <p:ext uri="{BB962C8B-B14F-4D97-AF65-F5344CB8AC3E}">
+        <p14:creationId xmlns:p14="http://schemas.microsoft.com/office/powerpoint/2010/main" xmlns="" val="205039471"/>
+      </p:ext>
+    </p:extLst>
+  </p:cSld>
+  <p:clrMapOvr>
+    <a:masterClrMapping/>
+  </p:clrMapOvr>
+</p:sld>
+</file>
+
+<file path=ppt/slides/slide5.xml><?xml version="1.0" encoding="utf-8"?>
+<p:sld xmlns:a="http://schemas.openxmlformats.org/drawingml/2006/main" xmlns:r="http://schemas.openxmlformats.org/officeDocument/2006/relationships" xmlns:p="http://schemas.openxmlformats.org/presentationml/2006/main">
+  <p:cSld>
+    <p:spTree>
+      <p:nvGrpSpPr>
+        <p:cNvPr id="1" name=""/>
+        <p:cNvGrpSpPr/>
+        <p:nvPr/>
+      </p:nvGrpSpPr>
+      <p:grpSpPr>
+        <a:xfrm>
+          <a:off x="0" y="0"/>
+          <a:ext cx="0" cy="0"/>
+          <a:chOff x="0" y="0"/>
+          <a:chExt cx="0" cy="0"/>
+        </a:xfrm>
+      </p:grpSpPr>
+      <p:sp>
+        <p:nvSpPr>
+          <p:cNvPr id="2" name="Titre 1">
+            <a:extLst>
+              <a:ext uri="{FF2B5EF4-FFF2-40B4-BE49-F238E27FC236}">
+                <a16:creationId xmlns:a16="http://schemas.microsoft.com/office/drawing/2014/main" xmlns="" id="{BDEF606E-A611-403F-B367-E6244B4A4623}"/>
               </a:ext>
             </a:extLst>
           </p:cNvPr>
@@ -8819,7 +9041,7 @@
     </p:spTree>
     <p:extLst>
       <p:ext uri="{BB962C8B-B14F-4D97-AF65-F5344CB8AC3E}">
-        <p14:creationId xmlns:p14="http://schemas.microsoft.com/office/powerpoint/2010/main" val="205039471"/>
+        <p14:creationId xmlns:p14="http://schemas.microsoft.com/office/powerpoint/2010/main" xmlns="" val="205039471"/>
       </p:ext>
     </p:extLst>
   </p:cSld>
@@ -8829,7 +9051,7 @@
 </p:sld>
 </file>
 
-<file path=ppt/slides/slide5.xml><?xml version="1.0" encoding="utf-8"?>
+<file path=ppt/slides/slide6.xml><?xml version="1.0" encoding="utf-8"?>
 <p:sld xmlns:a="http://schemas.openxmlformats.org/drawingml/2006/main" xmlns:r="http://schemas.openxmlformats.org/officeDocument/2006/relationships" xmlns:p="http://schemas.openxmlformats.org/presentationml/2006/main">
   <p:cSld>
     <p:spTree>
@@ -8851,7 +9073,7 @@
           <p:cNvPr id="2" name="Titre 1">
             <a:extLst>
               <a:ext uri="{FF2B5EF4-FFF2-40B4-BE49-F238E27FC236}">
-                <a16:creationId xmlns:a16="http://schemas.microsoft.com/office/drawing/2014/main" id="{BDEF606E-A611-403F-B367-E6244B4A4623}"/>
+                <a16:creationId xmlns:a16="http://schemas.microsoft.com/office/drawing/2014/main" xmlns="" id="{BDEF606E-A611-403F-B367-E6244B4A4623}"/>
               </a:ext>
             </a:extLst>
           </p:cNvPr>
@@ -8909,7 +9131,7 @@
     </p:spTree>
     <p:extLst>
       <p:ext uri="{BB962C8B-B14F-4D97-AF65-F5344CB8AC3E}">
-        <p14:creationId xmlns:p14="http://schemas.microsoft.com/office/powerpoint/2010/main" val="205039471"/>
+        <p14:creationId xmlns:p14="http://schemas.microsoft.com/office/powerpoint/2010/main" xmlns="" val="205039471"/>
       </p:ext>
     </p:extLst>
   </p:cSld>
@@ -8919,7 +9141,7 @@
 </p:sld>
 </file>
 
-<file path=ppt/slides/slide6.xml><?xml version="1.0" encoding="utf-8"?>
+<file path=ppt/slides/slide7.xml><?xml version="1.0" encoding="utf-8"?>
 <p:sld xmlns:a="http://schemas.openxmlformats.org/drawingml/2006/main" xmlns:r="http://schemas.openxmlformats.org/officeDocument/2006/relationships" xmlns:p="http://schemas.openxmlformats.org/presentationml/2006/main">
   <p:cSld>
     <p:spTree>
@@ -8941,7 +9163,7 @@
           <p:cNvPr id="2" name="Titre 1">
             <a:extLst>
               <a:ext uri="{FF2B5EF4-FFF2-40B4-BE49-F238E27FC236}">
-                <a16:creationId xmlns:a16="http://schemas.microsoft.com/office/drawing/2014/main" id="{BDEF606E-A611-403F-B367-E6244B4A4623}"/>
+                <a16:creationId xmlns:a16="http://schemas.microsoft.com/office/drawing/2014/main" xmlns="" id="{BDEF606E-A611-403F-B367-E6244B4A4623}"/>
               </a:ext>
             </a:extLst>
           </p:cNvPr>
@@ -8969,7 +9191,7 @@
           <p:cNvPr id="3" name="ZoneTexte 2">
             <a:extLst>
               <a:ext uri="{FF2B5EF4-FFF2-40B4-BE49-F238E27FC236}">
-                <a16:creationId xmlns:a16="http://schemas.microsoft.com/office/drawing/2014/main" id="{944A8A4D-6952-E197-F8D5-3F125B7AE829}"/>
+                <a16:creationId xmlns:a16="http://schemas.microsoft.com/office/drawing/2014/main" xmlns="" id="{944A8A4D-6952-E197-F8D5-3F125B7AE829}"/>
               </a:ext>
             </a:extLst>
           </p:cNvPr>
@@ -9045,7 +9267,7 @@
           <p:cNvPr id="5" name="ZoneTexte 4">
             <a:extLst>
               <a:ext uri="{FF2B5EF4-FFF2-40B4-BE49-F238E27FC236}">
-                <a16:creationId xmlns:a16="http://schemas.microsoft.com/office/drawing/2014/main" id="{694596B1-F99F-C675-BF4F-8CD8BDA90A60}"/>
+                <a16:creationId xmlns:a16="http://schemas.microsoft.com/office/drawing/2014/main" xmlns="" id="{694596B1-F99F-C675-BF4F-8CD8BDA90A60}"/>
               </a:ext>
             </a:extLst>
           </p:cNvPr>
@@ -9111,7 +9333,7 @@
           <p:cNvPr id="4" name="ZoneTexte 3">
             <a:extLst>
               <a:ext uri="{FF2B5EF4-FFF2-40B4-BE49-F238E27FC236}">
-                <a16:creationId xmlns:a16="http://schemas.microsoft.com/office/drawing/2014/main" id="{89EDEC8D-929C-6BED-C415-6DB4076007FD}"/>
+                <a16:creationId xmlns:a16="http://schemas.microsoft.com/office/drawing/2014/main" xmlns="" id="{89EDEC8D-929C-6BED-C415-6DB4076007FD}"/>
               </a:ext>
             </a:extLst>
           </p:cNvPr>
@@ -9144,7 +9366,7 @@
     </p:spTree>
     <p:extLst>
       <p:ext uri="{BB962C8B-B14F-4D97-AF65-F5344CB8AC3E}">
-        <p14:creationId xmlns:p14="http://schemas.microsoft.com/office/powerpoint/2010/main" val="304715525"/>
+        <p14:creationId xmlns:p14="http://schemas.microsoft.com/office/powerpoint/2010/main" xmlns="" val="304715525"/>
       </p:ext>
     </p:extLst>
   </p:cSld>
@@ -9154,7 +9376,7 @@
 </p:sld>
 </file>
 
-<file path=ppt/slides/slide7.xml><?xml version="1.0" encoding="utf-8"?>
+<file path=ppt/slides/slide8.xml><?xml version="1.0" encoding="utf-8"?>
 <p:sld xmlns:a="http://schemas.openxmlformats.org/drawingml/2006/main" xmlns:r="http://schemas.openxmlformats.org/officeDocument/2006/relationships" xmlns:p="http://schemas.openxmlformats.org/presentationml/2006/main">
   <p:cSld>
     <p:spTree>
@@ -9176,7 +9398,7 @@
           <p:cNvPr id="2" name="Titre 1">
             <a:extLst>
               <a:ext uri="{FF2B5EF4-FFF2-40B4-BE49-F238E27FC236}">
-                <a16:creationId xmlns:a16="http://schemas.microsoft.com/office/drawing/2014/main" id="{BDEF606E-A611-403F-B367-E6244B4A4623}"/>
+                <a16:creationId xmlns:a16="http://schemas.microsoft.com/office/drawing/2014/main" xmlns="" id="{BDEF606E-A611-403F-B367-E6244B4A4623}"/>
               </a:ext>
             </a:extLst>
           </p:cNvPr>
@@ -9212,7 +9434,7 @@
           <p:cNvPr id="3" name="ZoneTexte 2">
             <a:extLst>
               <a:ext uri="{FF2B5EF4-FFF2-40B4-BE49-F238E27FC236}">
-                <a16:creationId xmlns:a16="http://schemas.microsoft.com/office/drawing/2014/main" id="{43938F9C-5088-A52A-B642-BF22AFFCF64D}"/>
+                <a16:creationId xmlns:a16="http://schemas.microsoft.com/office/drawing/2014/main" xmlns="" id="{43938F9C-5088-A52A-B642-BF22AFFCF64D}"/>
               </a:ext>
             </a:extLst>
           </p:cNvPr>
@@ -9247,7 +9469,7 @@
           <p:cNvPr id="5" name="ZoneTexte 4">
             <a:extLst>
               <a:ext uri="{FF2B5EF4-FFF2-40B4-BE49-F238E27FC236}">
-                <a16:creationId xmlns:a16="http://schemas.microsoft.com/office/drawing/2014/main" id="{51CE6F7B-B95C-77F1-B040-0A5FB6154CEE}"/>
+                <a16:creationId xmlns:a16="http://schemas.microsoft.com/office/drawing/2014/main" xmlns="" id="{51CE6F7B-B95C-77F1-B040-0A5FB6154CEE}"/>
               </a:ext>
             </a:extLst>
           </p:cNvPr>
@@ -9282,7 +9504,7 @@
           <p:cNvPr id="6" name="ZoneTexte 5">
             <a:extLst>
               <a:ext uri="{FF2B5EF4-FFF2-40B4-BE49-F238E27FC236}">
-                <a16:creationId xmlns:a16="http://schemas.microsoft.com/office/drawing/2014/main" id="{2DA90837-1C5E-83DD-849D-D95A162FF35C}"/>
+                <a16:creationId xmlns:a16="http://schemas.microsoft.com/office/drawing/2014/main" xmlns="" id="{2DA90837-1C5E-83DD-849D-D95A162FF35C}"/>
               </a:ext>
             </a:extLst>
           </p:cNvPr>
@@ -9317,7 +9539,7 @@
           <p:cNvPr id="4" name="ZoneTexte 3">
             <a:extLst>
               <a:ext uri="{FF2B5EF4-FFF2-40B4-BE49-F238E27FC236}">
-                <a16:creationId xmlns:a16="http://schemas.microsoft.com/office/drawing/2014/main" id="{F2248251-07C4-CF69-2C52-AA17441DC38C}"/>
+                <a16:creationId xmlns:a16="http://schemas.microsoft.com/office/drawing/2014/main" xmlns="" id="{F2248251-07C4-CF69-2C52-AA17441DC38C}"/>
               </a:ext>
             </a:extLst>
           </p:cNvPr>
@@ -9352,7 +9574,7 @@
           <p:cNvPr id="8" name="ZoneTexte 7">
             <a:extLst>
               <a:ext uri="{FF2B5EF4-FFF2-40B4-BE49-F238E27FC236}">
-                <a16:creationId xmlns:a16="http://schemas.microsoft.com/office/drawing/2014/main" id="{5B095635-0F87-F818-673C-B824251C3ED2}"/>
+                <a16:creationId xmlns:a16="http://schemas.microsoft.com/office/drawing/2014/main" xmlns="" id="{5B095635-0F87-F818-673C-B824251C3ED2}"/>
               </a:ext>
             </a:extLst>
           </p:cNvPr>
@@ -9387,7 +9609,7 @@
           <p:cNvPr id="9" name="ZoneTexte 8">
             <a:extLst>
               <a:ext uri="{FF2B5EF4-FFF2-40B4-BE49-F238E27FC236}">
-                <a16:creationId xmlns:a16="http://schemas.microsoft.com/office/drawing/2014/main" id="{5877E3BA-8C39-D4BD-538D-6E2CBED60B52}"/>
+                <a16:creationId xmlns:a16="http://schemas.microsoft.com/office/drawing/2014/main" xmlns="" id="{5877E3BA-8C39-D4BD-538D-6E2CBED60B52}"/>
               </a:ext>
             </a:extLst>
           </p:cNvPr>
@@ -9420,7 +9642,7 @@
     </p:spTree>
     <p:extLst>
       <p:ext uri="{BB962C8B-B14F-4D97-AF65-F5344CB8AC3E}">
-        <p14:creationId xmlns:p14="http://schemas.microsoft.com/office/powerpoint/2010/main" val="2924132938"/>
+        <p14:creationId xmlns:p14="http://schemas.microsoft.com/office/powerpoint/2010/main" xmlns="" val="2924132938"/>
       </p:ext>
     </p:extLst>
   </p:cSld>
@@ -9430,7 +9652,7 @@
 </p:sld>
 </file>
 
-<file path=ppt/slides/slide8.xml><?xml version="1.0" encoding="utf-8"?>
+<file path=ppt/slides/slide9.xml><?xml version="1.0" encoding="utf-8"?>
 <p:sld xmlns:a="http://schemas.openxmlformats.org/drawingml/2006/main" xmlns:r="http://schemas.openxmlformats.org/officeDocument/2006/relationships" xmlns:p="http://schemas.openxmlformats.org/presentationml/2006/main">
   <p:cSld>
     <p:spTree>
@@ -9452,7 +9674,7 @@
           <p:cNvPr id="2" name="Titre 1">
             <a:extLst>
               <a:ext uri="{FF2B5EF4-FFF2-40B4-BE49-F238E27FC236}">
-                <a16:creationId xmlns:a16="http://schemas.microsoft.com/office/drawing/2014/main" id="{BDEF606E-A611-403F-B367-E6244B4A4623}"/>
+                <a16:creationId xmlns:a16="http://schemas.microsoft.com/office/drawing/2014/main" xmlns="" id="{BDEF606E-A611-403F-B367-E6244B4A4623}"/>
               </a:ext>
             </a:extLst>
           </p:cNvPr>
@@ -9488,7 +9710,7 @@
           <p:cNvPr id="4" name="Image 3">
             <a:extLst>
               <a:ext uri="{FF2B5EF4-FFF2-40B4-BE49-F238E27FC236}">
-                <a16:creationId xmlns:a16="http://schemas.microsoft.com/office/drawing/2014/main" id="{12875363-F630-2EEE-1882-31869C267ECD}"/>
+                <a16:creationId xmlns:a16="http://schemas.microsoft.com/office/drawing/2014/main" xmlns="" id="{12875363-F630-2EEE-1882-31869C267ECD}"/>
               </a:ext>
             </a:extLst>
           </p:cNvPr>
@@ -9498,7 +9720,7 @@
           <p:nvPr/>
         </p:nvPicPr>
         <p:blipFill>
-          <a:blip r:embed="rId2"/>
+          <a:blip r:embed="rId2" cstate="print"/>
           <a:stretch>
             <a:fillRect/>
           </a:stretch>
@@ -9518,7 +9740,7 @@
           <p:cNvPr id="6" name="ZoneTexte 5">
             <a:extLst>
               <a:ext uri="{FF2B5EF4-FFF2-40B4-BE49-F238E27FC236}">
-                <a16:creationId xmlns:a16="http://schemas.microsoft.com/office/drawing/2014/main" id="{A0418EA7-A969-2067-BECA-63B052D557B1}"/>
+                <a16:creationId xmlns:a16="http://schemas.microsoft.com/office/drawing/2014/main" xmlns="" id="{A0418EA7-A969-2067-BECA-63B052D557B1}"/>
               </a:ext>
             </a:extLst>
           </p:cNvPr>
@@ -9551,138 +9773,7 @@
     </p:spTree>
     <p:extLst>
       <p:ext uri="{BB962C8B-B14F-4D97-AF65-F5344CB8AC3E}">
-        <p14:creationId xmlns:p14="http://schemas.microsoft.com/office/powerpoint/2010/main" val="2622877148"/>
-      </p:ext>
-    </p:extLst>
-  </p:cSld>
-  <p:clrMapOvr>
-    <a:masterClrMapping/>
-  </p:clrMapOvr>
-</p:sld>
-</file>
-
-<file path=ppt/slides/slide9.xml><?xml version="1.0" encoding="utf-8"?>
-<p:sld xmlns:a="http://schemas.openxmlformats.org/drawingml/2006/main" xmlns:r="http://schemas.openxmlformats.org/officeDocument/2006/relationships" xmlns:p="http://schemas.openxmlformats.org/presentationml/2006/main">
-  <p:cSld>
-    <p:spTree>
-      <p:nvGrpSpPr>
-        <p:cNvPr id="1" name=""/>
-        <p:cNvGrpSpPr/>
-        <p:nvPr/>
-      </p:nvGrpSpPr>
-      <p:grpSpPr>
-        <a:xfrm>
-          <a:off x="0" y="0"/>
-          <a:ext cx="0" cy="0"/>
-          <a:chOff x="0" y="0"/>
-          <a:chExt cx="0" cy="0"/>
-        </a:xfrm>
-      </p:grpSpPr>
-      <p:sp>
-        <p:nvSpPr>
-          <p:cNvPr id="2" name="Titre 1">
-            <a:extLst>
-              <a:ext uri="{FF2B5EF4-FFF2-40B4-BE49-F238E27FC236}">
-                <a16:creationId xmlns:a16="http://schemas.microsoft.com/office/drawing/2014/main" id="{BDEF606E-A611-403F-B367-E6244B4A4623}"/>
-              </a:ext>
-            </a:extLst>
-          </p:cNvPr>
-          <p:cNvSpPr>
-            <a:spLocks noGrp="1"/>
-          </p:cNvSpPr>
-          <p:nvPr>
-            <p:ph type="title"/>
-          </p:nvPr>
-        </p:nvSpPr>
-        <p:spPr/>
-        <p:txBody>
-          <a:bodyPr/>
-          <a:lstStyle/>
-          <a:p>
-            <a:r>
-              <a:rPr lang="fr-FR" dirty="0"/>
-              <a:t>Soft – </a:t>
-            </a:r>
-            <a:r>
-              <a:rPr lang="fr-FR" dirty="0" err="1"/>
-              <a:t>Debug</a:t>
-            </a:r>
-            <a:r>
-              <a:rPr lang="fr-FR" dirty="0"/>
-              <a:t> de la base roulante 3/4</a:t>
-            </a:r>
-          </a:p>
-        </p:txBody>
-      </p:sp>
-      <p:sp>
-        <p:nvSpPr>
-          <p:cNvPr id="6" name="ZoneTexte 5">
-            <a:extLst>
-              <a:ext uri="{FF2B5EF4-FFF2-40B4-BE49-F238E27FC236}">
-                <a16:creationId xmlns:a16="http://schemas.microsoft.com/office/drawing/2014/main" id="{A0418EA7-A969-2067-BECA-63B052D557B1}"/>
-              </a:ext>
-            </a:extLst>
-          </p:cNvPr>
-          <p:cNvSpPr txBox="1"/>
-          <p:nvPr/>
-        </p:nvSpPr>
-        <p:spPr>
-          <a:xfrm>
-            <a:off x="3799513" y="2149398"/>
-            <a:ext cx="4527201" cy="338554"/>
-          </a:xfrm>
-          <a:prstGeom prst="rect">
-            <a:avLst/>
-          </a:prstGeom>
-          <a:noFill/>
-        </p:spPr>
-        <p:txBody>
-          <a:bodyPr wrap="none" rtlCol="0">
-            <a:spAutoFit/>
-          </a:bodyPr>
-          <a:lstStyle/>
-          <a:p>
-            <a:r>
-              <a:rPr lang="fr-FR" sz="1600" dirty="0"/>
-              <a:t>ST-Link Branché uniquement à la base roulante</a:t>
-            </a:r>
-          </a:p>
-        </p:txBody>
-      </p:sp>
-      <p:pic>
-        <p:nvPicPr>
-          <p:cNvPr id="8" name="Image 7">
-            <a:extLst>
-              <a:ext uri="{FF2B5EF4-FFF2-40B4-BE49-F238E27FC236}">
-                <a16:creationId xmlns:a16="http://schemas.microsoft.com/office/drawing/2014/main" id="{24E1AAD1-4B54-3C8F-B369-B84D37F62D44}"/>
-              </a:ext>
-            </a:extLst>
-          </p:cNvPr>
-          <p:cNvPicPr>
-            <a:picLocks noChangeAspect="1"/>
-          </p:cNvPicPr>
-          <p:nvPr/>
-        </p:nvPicPr>
-        <p:blipFill>
-          <a:blip r:embed="rId2"/>
-          <a:stretch>
-            <a:fillRect/>
-          </a:stretch>
-        </p:blipFill>
-        <p:spPr>
-          <a:xfrm>
-            <a:off x="922789" y="2768568"/>
-            <a:ext cx="9479559" cy="3490414"/>
-          </a:xfrm>
-          <a:prstGeom prst="rect">
-            <a:avLst/>
-          </a:prstGeom>
-        </p:spPr>
-      </p:pic>
-    </p:spTree>
-    <p:extLst>
-      <p:ext uri="{BB962C8B-B14F-4D97-AF65-F5344CB8AC3E}">
-        <p14:creationId xmlns:p14="http://schemas.microsoft.com/office/powerpoint/2010/main" val="3964770694"/>
+        <p14:creationId xmlns:p14="http://schemas.microsoft.com/office/powerpoint/2010/main" xmlns="" val="2622877148"/>
       </p:ext>
     </p:extLst>
   </p:cSld>
@@ -9972,7 +10063,7 @@
   <a:extraClrSchemeLst/>
   <a:extLst>
     <a:ext uri="{05A4C25C-085E-4340-85A3-A5531E510DB2}">
-      <thm15:themeFamily xmlns:thm15="http://schemas.microsoft.com/office/thememl/2012/main" name="Thème1" id="{F8D90D31-0E82-441F-979D-5CA5121051FF}" vid="{6756C6E6-5B85-46E8-8880-4CDFF9CDDAE6}"/>
+      <thm15:themeFamily xmlns:thm15="http://schemas.microsoft.com/office/thememl/2012/main" xmlns="" name="Thème1" id="{F8D90D31-0E82-441F-979D-5CA5121051FF}" vid="{6756C6E6-5B85-46E8-8880-4CDFF9CDDAE6}"/>
     </a:ext>
   </a:extLst>
 </a:theme>
